--- a/SOCI2010 Tutorial 2.pptx
+++ b/SOCI2010 Tutorial 2.pptx
@@ -5012,7 +5012,7 @@
           <a:p>
             <a:fld id="{28C12EA0-1810-4788-AA6D-54D171908D2E}" type="datetimeFigureOut">
               <a:rPr lang="en-GB" smtClean="0"/>
-              <a:t>21/02/2024</a:t>
+              <a:t>11/06/2024</a:t>
             </a:fld>
             <a:endParaRPr lang="en-GB"/>
           </a:p>
@@ -6187,8 +6187,12 @@
           <a:lstStyle/>
           <a:p>
             <a:r>
+              <a:rPr lang="en-US" altLang="zh-HK"/>
+              <a:t>Discussion </a:t>
+            </a:r>
+            <a:r>
               <a:rPr lang="en-US" altLang="zh-HK" dirty="0"/>
-              <a:t>### Discussion Questions:</a:t>
+              <a:t>Questions:</a:t>
             </a:r>
           </a:p>
           <a:p>
@@ -6197,7 +6201,7 @@
           <a:p>
             <a:r>
               <a:rPr lang="en-US" altLang="zh-HK" dirty="0"/>
-              <a:t>1. **Distinction Between Credentials and Skills:**</a:t>
+              <a:t>1. Distinction Between Credentials and Skills:</a:t>
             </a:r>
           </a:p>
           <a:p>
@@ -6221,7 +6225,7 @@
           <a:p>
             <a:r>
               <a:rPr lang="en-US" altLang="zh-HK" dirty="0"/>
-              <a:t>2. **Macro-Level Factors in Education:**</a:t>
+              <a:t>2. Macro-Level Factors in Education:</a:t>
             </a:r>
           </a:p>
           <a:p>
@@ -6245,7 +6249,7 @@
           <a:p>
             <a:r>
               <a:rPr lang="en-US" altLang="zh-HK" dirty="0"/>
-              <a:t>3. **Meritocratic Reward Allocation:**</a:t>
+              <a:t>3. Meritocratic Reward Allocation:</a:t>
             </a:r>
           </a:p>
           <a:p>
@@ -6479,7 +6483,7 @@
           <a:p>
             <a:fld id="{52C57F65-6D2C-4AA8-B9E9-BDC7D6A96B71}" type="datetime1">
               <a:rPr lang="en-GB" altLang="zh-HK" smtClean="0"/>
-              <a:t>21/02/2024</a:t>
+              <a:t>11/06/2024</a:t>
             </a:fld>
             <a:endParaRPr lang="en-GB"/>
           </a:p>
@@ -6652,7 +6656,7 @@
           <a:p>
             <a:fld id="{FBBD1583-426E-4705-B913-CE4EBD773E9B}" type="datetime1">
               <a:rPr lang="en-GB" altLang="zh-HK" smtClean="0"/>
-              <a:t>21/02/2024</a:t>
+              <a:t>11/06/2024</a:t>
             </a:fld>
             <a:endParaRPr lang="en-GB"/>
           </a:p>
@@ -6835,7 +6839,7 @@
           <a:p>
             <a:fld id="{8AC239B4-4E19-48BB-A785-18ED7FD5449F}" type="datetime1">
               <a:rPr lang="en-GB" altLang="zh-HK" smtClean="0"/>
-              <a:t>21/02/2024</a:t>
+              <a:t>11/06/2024</a:t>
             </a:fld>
             <a:endParaRPr lang="en-GB"/>
           </a:p>
@@ -7008,7 +7012,7 @@
           <a:p>
             <a:fld id="{FBD51254-4E40-4992-8B1F-ADAA53DB4BA7}" type="datetime1">
               <a:rPr lang="en-GB" altLang="zh-HK" smtClean="0"/>
-              <a:t>21/02/2024</a:t>
+              <a:t>11/06/2024</a:t>
             </a:fld>
             <a:endParaRPr lang="en-GB"/>
           </a:p>
@@ -7257,7 +7261,7 @@
           <a:p>
             <a:fld id="{2D41C9EA-412D-443B-86F7-30783988FB6E}" type="datetime1">
               <a:rPr lang="en-GB" altLang="zh-HK" smtClean="0"/>
-              <a:t>21/02/2024</a:t>
+              <a:t>11/06/2024</a:t>
             </a:fld>
             <a:endParaRPr lang="en-GB"/>
           </a:p>
@@ -7548,7 +7552,7 @@
           <a:p>
             <a:fld id="{D476599A-FB6F-42F4-9C42-D7C2DBD56FB1}" type="datetime1">
               <a:rPr lang="en-GB" altLang="zh-HK" smtClean="0"/>
-              <a:t>21/02/2024</a:t>
+              <a:t>11/06/2024</a:t>
             </a:fld>
             <a:endParaRPr lang="en-GB"/>
           </a:p>
@@ -7973,7 +7977,7 @@
           <a:p>
             <a:fld id="{E5D0BD50-9C40-4C0E-83A1-21465467C01F}" type="datetime1">
               <a:rPr lang="en-GB" altLang="zh-HK" smtClean="0"/>
-              <a:t>21/02/2024</a:t>
+              <a:t>11/06/2024</a:t>
             </a:fld>
             <a:endParaRPr lang="en-GB"/>
           </a:p>
@@ -8094,7 +8098,7 @@
           <a:p>
             <a:fld id="{81C634AC-FED1-42BF-8A6C-A10F3A7534BD}" type="datetime1">
               <a:rPr lang="en-GB" altLang="zh-HK" smtClean="0"/>
-              <a:t>21/02/2024</a:t>
+              <a:t>11/06/2024</a:t>
             </a:fld>
             <a:endParaRPr lang="en-GB"/>
           </a:p>
@@ -8192,7 +8196,7 @@
           <a:p>
             <a:fld id="{6D206E83-D0ED-4951-8639-881AC02293D0}" type="datetime1">
               <a:rPr lang="en-GB" altLang="zh-HK" smtClean="0"/>
-              <a:t>21/02/2024</a:t>
+              <a:t>11/06/2024</a:t>
             </a:fld>
             <a:endParaRPr lang="en-GB"/>
           </a:p>
@@ -8472,7 +8476,7 @@
           <a:p>
             <a:fld id="{BC2F9B0E-6A3D-4308-A95F-BF160E165543}" type="datetime1">
               <a:rPr lang="en-GB" altLang="zh-HK" smtClean="0"/>
-              <a:t>21/02/2024</a:t>
+              <a:t>11/06/2024</a:t>
             </a:fld>
             <a:endParaRPr lang="en-GB"/>
           </a:p>
@@ -8728,7 +8732,7 @@
           <a:p>
             <a:fld id="{012C536E-D74E-42FE-8AE7-443E0E46C26E}" type="datetime1">
               <a:rPr lang="en-GB" altLang="zh-HK" smtClean="0"/>
-              <a:t>21/02/2024</a:t>
+              <a:t>11/06/2024</a:t>
             </a:fld>
             <a:endParaRPr lang="en-GB"/>
           </a:p>
@@ -8944,7 +8948,7 @@
           <a:p>
             <a:fld id="{1E56649D-9282-4789-B15B-75D77CA2F714}" type="datetime1">
               <a:rPr lang="en-GB" altLang="zh-HK" smtClean="0"/>
-              <a:t>21/02/2024</a:t>
+              <a:t>11/06/2024</a:t>
             </a:fld>
             <a:endParaRPr lang="en-GB"/>
           </a:p>
@@ -10235,23 +10239,6 @@
             <a:r>
               <a:rPr lang="en-US" altLang="zh-HK" dirty="0"/>
               <a:t>Credentials and Skills</a:t>
-            </a:r>
-          </a:p>
-          <a:p>
-            <a:pPr lvl="1"/>
-            <a:r>
-              <a:rPr lang="en-US" altLang="zh-HK" dirty="0"/>
-              <a:t>Araki, S. (2020). </a:t>
-            </a:r>
-            <a:r>
-              <a:rPr lang="en-US" altLang="zh-HK" dirty="0">
-                <a:hlinkClick r:id="rId2"/>
-              </a:rPr>
-              <a:t>Educational Expansion, Skills Diffusion, and the Economic Value of Credentials and Skills</a:t>
-            </a:r>
-            <a:r>
-              <a:rPr lang="en-US" altLang="zh-HK" dirty="0"/>
-              <a:t>. American Sociological Review, 85(1), 128-175. </a:t>
             </a:r>
           </a:p>
         </p:txBody>
